--- a/docs/diagrams/StorageComponentClassDiagram.pptx
+++ b/docs/diagrams/StorageComponentClassDiagram.pptx
@@ -192,7 +192,7 @@
           <a:p>
             <a:fld id="{F5CC4B3F-88C1-4FFA-B1B6-F41C21DC6924}" type="datetimeFigureOut">
               <a:rPr lang="en-US" smtClean="0"/>
-              <a:t>10/16/2016</a:t>
+              <a:t>3/24/2017</a:t>
             </a:fld>
             <a:endParaRPr lang="en-US"/>
           </a:p>
@@ -641,7 +641,7 @@
           <a:p>
             <a:fld id="{78C97017-6FC3-485B-9764-EAC9E56C1D49}" type="datetimeFigureOut">
               <a:rPr lang="en-US" smtClean="0"/>
-              <a:t>10/16/2016</a:t>
+              <a:t>3/24/2017</a:t>
             </a:fld>
             <a:endParaRPr lang="en-US"/>
           </a:p>
@@ -811,7 +811,7 @@
           <a:p>
             <a:fld id="{78C97017-6FC3-485B-9764-EAC9E56C1D49}" type="datetimeFigureOut">
               <a:rPr lang="en-US" smtClean="0"/>
-              <a:t>10/16/2016</a:t>
+              <a:t>3/24/2017</a:t>
             </a:fld>
             <a:endParaRPr lang="en-US"/>
           </a:p>
@@ -991,7 +991,7 @@
           <a:p>
             <a:fld id="{78C97017-6FC3-485B-9764-EAC9E56C1D49}" type="datetimeFigureOut">
               <a:rPr lang="en-US" smtClean="0"/>
-              <a:t>10/16/2016</a:t>
+              <a:t>3/24/2017</a:t>
             </a:fld>
             <a:endParaRPr lang="en-US"/>
           </a:p>
@@ -1161,7 +1161,7 @@
           <a:p>
             <a:fld id="{78C97017-6FC3-485B-9764-EAC9E56C1D49}" type="datetimeFigureOut">
               <a:rPr lang="en-US" smtClean="0"/>
-              <a:t>10/16/2016</a:t>
+              <a:t>3/24/2017</a:t>
             </a:fld>
             <a:endParaRPr lang="en-US"/>
           </a:p>
@@ -1407,7 +1407,7 @@
           <a:p>
             <a:fld id="{78C97017-6FC3-485B-9764-EAC9E56C1D49}" type="datetimeFigureOut">
               <a:rPr lang="en-US" smtClean="0"/>
-              <a:t>10/16/2016</a:t>
+              <a:t>3/24/2017</a:t>
             </a:fld>
             <a:endParaRPr lang="en-US"/>
           </a:p>
@@ -1695,7 +1695,7 @@
           <a:p>
             <a:fld id="{78C97017-6FC3-485B-9764-EAC9E56C1D49}" type="datetimeFigureOut">
               <a:rPr lang="en-US" smtClean="0"/>
-              <a:t>10/16/2016</a:t>
+              <a:t>3/24/2017</a:t>
             </a:fld>
             <a:endParaRPr lang="en-US"/>
           </a:p>
@@ -2117,7 +2117,7 @@
           <a:p>
             <a:fld id="{78C97017-6FC3-485B-9764-EAC9E56C1D49}" type="datetimeFigureOut">
               <a:rPr lang="en-US" smtClean="0"/>
-              <a:t>10/16/2016</a:t>
+              <a:t>3/24/2017</a:t>
             </a:fld>
             <a:endParaRPr lang="en-US"/>
           </a:p>
@@ -2235,7 +2235,7 @@
           <a:p>
             <a:fld id="{78C97017-6FC3-485B-9764-EAC9E56C1D49}" type="datetimeFigureOut">
               <a:rPr lang="en-US" smtClean="0"/>
-              <a:t>10/16/2016</a:t>
+              <a:t>3/24/2017</a:t>
             </a:fld>
             <a:endParaRPr lang="en-US"/>
           </a:p>
@@ -2330,7 +2330,7 @@
           <a:p>
             <a:fld id="{78C97017-6FC3-485B-9764-EAC9E56C1D49}" type="datetimeFigureOut">
               <a:rPr lang="en-US" smtClean="0"/>
-              <a:t>10/16/2016</a:t>
+              <a:t>3/24/2017</a:t>
             </a:fld>
             <a:endParaRPr lang="en-US"/>
           </a:p>
@@ -2607,7 +2607,7 @@
           <a:p>
             <a:fld id="{78C97017-6FC3-485B-9764-EAC9E56C1D49}" type="datetimeFigureOut">
               <a:rPr lang="en-US" smtClean="0"/>
-              <a:t>10/16/2016</a:t>
+              <a:t>3/24/2017</a:t>
             </a:fld>
             <a:endParaRPr lang="en-US"/>
           </a:p>
@@ -2860,7 +2860,7 @@
           <a:p>
             <a:fld id="{78C97017-6FC3-485B-9764-EAC9E56C1D49}" type="datetimeFigureOut">
               <a:rPr lang="en-US" smtClean="0"/>
-              <a:t>10/16/2016</a:t>
+              <a:t>3/24/2017</a:t>
             </a:fld>
             <a:endParaRPr lang="en-US"/>
           </a:p>
@@ -3073,7 +3073,7 @@
           <a:p>
             <a:fld id="{78C97017-6FC3-485B-9764-EAC9E56C1D49}" type="datetimeFigureOut">
               <a:rPr lang="en-US" smtClean="0"/>
-              <a:t>10/16/2016</a:t>
+              <a:t>3/24/2017</a:t>
             </a:fld>
             <a:endParaRPr lang="en-US"/>
           </a:p>
@@ -3522,7 +3522,7 @@
         <p:spPr>
           <a:xfrm>
             <a:off x="2877180" y="3158440"/>
-            <a:ext cx="1323049" cy="346760"/>
+            <a:ext cx="1345337" cy="346760"/>
           </a:xfrm>
           <a:prstGeom prst="rect">
             <a:avLst/>
@@ -3581,7 +3581,7 @@
                   <a:schemeClr val="bg1"/>
                 </a:solidFill>
               </a:rPr>
-              <a:t>AddressBookStorage</a:t>
+              <a:t>TaskManagerStorage</a:t>
             </a:r>
             <a:endParaRPr lang="en-SG" sz="1050" dirty="0">
               <a:solidFill>
@@ -4154,7 +4154,7 @@
                   </a:schemeClr>
                 </a:solidFill>
               </a:rPr>
-              <a:t>XmlAddressBook</a:t>
+              <a:t>XmlTaskManager</a:t>
             </a:r>
             <a:r>
               <a:rPr lang="en-US" sz="1050" b="1" dirty="0" smtClean="0">
@@ -4627,7 +4627,7 @@
                   </a:schemeClr>
                 </a:solidFill>
               </a:rPr>
-              <a:t>AddressBook</a:t>
+              <a:t>TaskManager</a:t>
             </a:r>
             <a:endParaRPr lang="en-SG" sz="1050" b="1" dirty="0">
               <a:solidFill>
@@ -4780,7 +4780,7 @@
                   </a:schemeClr>
                 </a:solidFill>
               </a:rPr>
-              <a:t>XmlAdaptedPerson</a:t>
+              <a:t>XmlAdaptedTask</a:t>
             </a:r>
             <a:endParaRPr lang="en-SG" sz="1050" b="1" dirty="0">
               <a:solidFill>
